--- a/QDYN/wrapper.pptx
+++ b/QDYN/wrapper.pptx
@@ -4379,35 +4379,7 @@
                 </a:solidFill>
                 <a:latin typeface="Lucida Console" panose="020B0609040504020204" pitchFamily="49" charset="0"/>
               </a:rPr>
-              <a:t>git clone </a:t>
-            </a:r>
-            <a:r>
-              <a:rPr lang="en-GB" sz="3200" dirty="0">
-                <a:solidFill>
-                  <a:schemeClr val="accent1"/>
-                </a:solidFill>
-                <a:latin typeface="Lucida Console" panose="020B0609040504020204" pitchFamily="49" charset="0"/>
-                <a:hlinkClick r:id="rId2"/>
-              </a:rPr>
-              <a:t>https://github.com/ydluo/qdyn</a:t>
-            </a:r>
-            <a:r>
-              <a:rPr lang="en-GB" sz="3200" dirty="0">
-                <a:solidFill>
-                  <a:schemeClr val="accent1"/>
-                </a:solidFill>
-                <a:latin typeface="Lucida Console" panose="020B0609040504020204" pitchFamily="49" charset="0"/>
-              </a:rPr>
-              <a:t> </a:t>
-            </a:r>
-            <a:r>
-              <a:rPr lang="en-GB" sz="3200" dirty="0" err="1">
-                <a:solidFill>
-                  <a:schemeClr val="accent1"/>
-                </a:solidFill>
-                <a:latin typeface="Lucida Console" panose="020B0609040504020204" pitchFamily="49" charset="0"/>
-              </a:rPr>
-              <a:t>qdyn</a:t>
+              <a:t>git clone https://github.com/ydluo/qdyn</a:t>
             </a:r>
             <a:endParaRPr lang="en-GB" sz="3200" dirty="0">
               <a:latin typeface="+mj-lt"/>
@@ -4564,7 +4536,7 @@
           <p:nvPr/>
         </p:nvPicPr>
         <p:blipFill>
-          <a:blip r:embed="rId3" cstate="print">
+          <a:blip r:embed="rId2" cstate="print">
             <a:extLst>
               <a:ext uri="{28A0092B-C50C-407E-A947-70E740481C1C}">
                 <a14:useLocalDpi xmlns:a14="http://schemas.microsoft.com/office/drawing/2010/main" val="0"/>
@@ -4874,8 +4846,52 @@
               <a:rPr lang="en-GB" sz="3200" dirty="0">
                 <a:latin typeface="+mj-lt"/>
               </a:rPr>
-              <a:t>Navigate to the QDYN/ICTP tutorials directory</a:t>
-            </a:r>
+              <a:t>Command: </a:t>
+            </a:r>
+            <a:r>
+              <a:rPr lang="en-GB" sz="2400" dirty="0">
+                <a:solidFill>
+                  <a:schemeClr val="accent1"/>
+                </a:solidFill>
+                <a:latin typeface="Lucida Console" panose="020B0609040504020204" pitchFamily="49" charset="0"/>
+              </a:rPr>
+              <a:t>git clone https://github.com/martijnende/ICTP_EQ_tutorials</a:t>
+            </a:r>
+            <a:endParaRPr lang="en-GB" sz="3200" dirty="0"/>
+          </a:p>
+          <a:p>
+            <a:pPr>
+              <a:spcAft>
+                <a:spcPts val="1000"/>
+              </a:spcAft>
+            </a:pPr>
+            <a:r>
+              <a:rPr lang="en-GB" sz="3200" dirty="0">
+                <a:latin typeface="+mj-lt"/>
+              </a:rPr>
+              <a:t>Command: </a:t>
+            </a:r>
+            <a:r>
+              <a:rPr lang="en-GB" sz="3200" dirty="0">
+                <a:solidFill>
+                  <a:schemeClr val="accent1"/>
+                </a:solidFill>
+                <a:latin typeface="Lucida Console" panose="020B0609040504020204" pitchFamily="49" charset="0"/>
+              </a:rPr>
+              <a:t>cd </a:t>
+            </a:r>
+            <a:r>
+              <a:rPr lang="en-GB" sz="3200" dirty="0" err="1">
+                <a:solidFill>
+                  <a:schemeClr val="accent1"/>
+                </a:solidFill>
+                <a:latin typeface="Lucida Console" panose="020B0609040504020204" pitchFamily="49" charset="0"/>
+              </a:rPr>
+              <a:t>ICTP_EQ_tutorials</a:t>
+            </a:r>
+            <a:endParaRPr lang="en-GB" sz="3200" dirty="0">
+              <a:latin typeface="+mj-lt"/>
+            </a:endParaRPr>
           </a:p>
           <a:p>
             <a:pPr>
